--- a/slides/o-pat-minut-java-12/o-pat-minut-java-12.pptx
+++ b/slides/o-pat-minut-java-12/o-pat-minut-java-12.pptx
@@ -254,7 +254,7 @@
           <a:p>
             <a:fld id="{E42255E1-B68C-2644-B302-4483B5C76CBF}" type="datetimeFigureOut">
               <a:rPr lang="sk-SK" smtClean="0"/>
-              <a:t>23.2.19</a:t>
+              <a:t>24.2.19</a:t>
             </a:fld>
             <a:endParaRPr lang="sk-SK"/>
           </a:p>
@@ -4097,7 +4097,7 @@
           <a:p>
             <a:fld id="{436D1788-CAF3-9545-A0F1-3BF6E025059E}" type="datetimeFigureOut">
               <a:rPr lang="sk-SK" smtClean="0"/>
-              <a:t>23.2.19</a:t>
+              <a:t>24.2.19</a:t>
             </a:fld>
             <a:endParaRPr lang="sk-SK"/>
           </a:p>
@@ -4267,7 +4267,7 @@
           <a:p>
             <a:fld id="{436D1788-CAF3-9545-A0F1-3BF6E025059E}" type="datetimeFigureOut">
               <a:rPr lang="sk-SK" smtClean="0"/>
-              <a:t>23.2.19</a:t>
+              <a:t>24.2.19</a:t>
             </a:fld>
             <a:endParaRPr lang="sk-SK"/>
           </a:p>
@@ -4447,7 +4447,7 @@
           <a:p>
             <a:fld id="{436D1788-CAF3-9545-A0F1-3BF6E025059E}" type="datetimeFigureOut">
               <a:rPr lang="sk-SK" smtClean="0"/>
-              <a:t>23.2.19</a:t>
+              <a:t>24.2.19</a:t>
             </a:fld>
             <a:endParaRPr lang="sk-SK"/>
           </a:p>
@@ -4617,7 +4617,7 @@
           <a:p>
             <a:fld id="{436D1788-CAF3-9545-A0F1-3BF6E025059E}" type="datetimeFigureOut">
               <a:rPr lang="sk-SK" smtClean="0"/>
-              <a:t>23.2.19</a:t>
+              <a:t>24.2.19</a:t>
             </a:fld>
             <a:endParaRPr lang="sk-SK"/>
           </a:p>
@@ -4861,7 +4861,7 @@
           <a:p>
             <a:fld id="{436D1788-CAF3-9545-A0F1-3BF6E025059E}" type="datetimeFigureOut">
               <a:rPr lang="sk-SK" smtClean="0"/>
-              <a:t>23.2.19</a:t>
+              <a:t>24.2.19</a:t>
             </a:fld>
             <a:endParaRPr lang="sk-SK"/>
           </a:p>
@@ -5093,7 +5093,7 @@
           <a:p>
             <a:fld id="{436D1788-CAF3-9545-A0F1-3BF6E025059E}" type="datetimeFigureOut">
               <a:rPr lang="sk-SK" smtClean="0"/>
-              <a:t>23.2.19</a:t>
+              <a:t>24.2.19</a:t>
             </a:fld>
             <a:endParaRPr lang="sk-SK"/>
           </a:p>
@@ -5460,7 +5460,7 @@
           <a:p>
             <a:fld id="{436D1788-CAF3-9545-A0F1-3BF6E025059E}" type="datetimeFigureOut">
               <a:rPr lang="sk-SK" smtClean="0"/>
-              <a:t>23.2.19</a:t>
+              <a:t>24.2.19</a:t>
             </a:fld>
             <a:endParaRPr lang="sk-SK"/>
           </a:p>
@@ -5578,7 +5578,7 @@
           <a:p>
             <a:fld id="{436D1788-CAF3-9545-A0F1-3BF6E025059E}" type="datetimeFigureOut">
               <a:rPr lang="sk-SK" smtClean="0"/>
-              <a:t>23.2.19</a:t>
+              <a:t>24.2.19</a:t>
             </a:fld>
             <a:endParaRPr lang="sk-SK"/>
           </a:p>
@@ -5673,7 +5673,7 @@
           <a:p>
             <a:fld id="{436D1788-CAF3-9545-A0F1-3BF6E025059E}" type="datetimeFigureOut">
               <a:rPr lang="sk-SK" smtClean="0"/>
-              <a:t>23.2.19</a:t>
+              <a:t>24.2.19</a:t>
             </a:fld>
             <a:endParaRPr lang="sk-SK"/>
           </a:p>
@@ -5950,7 +5950,7 @@
           <a:p>
             <a:fld id="{436D1788-CAF3-9545-A0F1-3BF6E025059E}" type="datetimeFigureOut">
               <a:rPr lang="sk-SK" smtClean="0"/>
-              <a:t>23.2.19</a:t>
+              <a:t>24.2.19</a:t>
             </a:fld>
             <a:endParaRPr lang="sk-SK"/>
           </a:p>
@@ -6207,7 +6207,7 @@
           <a:p>
             <a:fld id="{436D1788-CAF3-9545-A0F1-3BF6E025059E}" type="datetimeFigureOut">
               <a:rPr lang="sk-SK" smtClean="0"/>
-              <a:t>23.2.19</a:t>
+              <a:t>24.2.19</a:t>
             </a:fld>
             <a:endParaRPr lang="sk-SK"/>
           </a:p>
@@ -6418,7 +6418,7 @@
           <a:p>
             <a:fld id="{436D1788-CAF3-9545-A0F1-3BF6E025059E}" type="datetimeFigureOut">
               <a:rPr lang="sk-SK" smtClean="0"/>
-              <a:t>23.2.19</a:t>
+              <a:t>24.2.19</a:t>
             </a:fld>
             <a:endParaRPr lang="sk-SK"/>
           </a:p>
@@ -11493,21 +11493,38 @@
               <a:buNone/>
             </a:pPr>
             <a:r>
-              <a:rPr lang="en" sz="2300" dirty="0">
-                <a:latin typeface="Consolas" panose="020B0609020204030204" pitchFamily="49" charset="0"/>
-                <a:cs typeface="Consolas" panose="020B0609020204030204" pitchFamily="49" charset="0"/>
-              </a:rPr>
-              <a:t>for (Map&lt;String, Object&gt; entry : </a:t>
-            </a:r>
-            <a:r>
-              <a:rPr lang="en" sz="2300" dirty="0" err="1">
+              <a:rPr lang="en" sz="2200" dirty="0">
+                <a:latin typeface="Consolas" panose="020B0609020204030204" pitchFamily="49" charset="0"/>
+                <a:cs typeface="Consolas" panose="020B0609020204030204" pitchFamily="49" charset="0"/>
+              </a:rPr>
+              <a:t>for (</a:t>
+            </a:r>
+            <a:r>
+              <a:rPr lang="en" sz="2200" dirty="0">
+                <a:solidFill>
+                  <a:srgbClr val="CB0101"/>
+                </a:solidFill>
+                <a:latin typeface="Consolas" panose="020B0609020204030204" pitchFamily="49" charset="0"/>
+                <a:cs typeface="Consolas" panose="020B0609020204030204" pitchFamily="49" charset="0"/>
+              </a:rPr>
+              <a:t>Entry&lt;String, Object&gt;</a:t>
+            </a:r>
+            <a:r>
+              <a:rPr lang="en" sz="2200" dirty="0">
+                <a:latin typeface="Consolas" panose="020B0609020204030204" pitchFamily="49" charset="0"/>
+                <a:cs typeface="Consolas" panose="020B0609020204030204" pitchFamily="49" charset="0"/>
+              </a:rPr>
+              <a:t> entry : </a:t>
+            </a:r>
+            <a:r>
+              <a:rPr lang="en" sz="2200" dirty="0" err="1">
                 <a:latin typeface="Consolas" panose="020B0609020204030204" pitchFamily="49" charset="0"/>
                 <a:cs typeface="Consolas" panose="020B0609020204030204" pitchFamily="49" charset="0"/>
               </a:rPr>
               <a:t>map.entrySet</a:t>
             </a:r>
             <a:r>
-              <a:rPr lang="en" sz="2300" dirty="0">
+              <a:rPr lang="en" sz="2200" dirty="0">
                 <a:latin typeface="Consolas" panose="020B0609020204030204" pitchFamily="49" charset="0"/>
                 <a:cs typeface="Consolas" panose="020B0609020204030204" pitchFamily="49" charset="0"/>
               </a:rPr>
@@ -12786,7 +12803,7 @@
             </a:pPr>
             <a:r>
               <a:rPr lang="sk-SK" dirty="0"/>
-              <a:t>marec 2018:	</a:t>
+              <a:t>marec 2019:	</a:t>
             </a:r>
             <a:r>
               <a:rPr lang="sk-SK" sz="3600" b="1" dirty="0">
